--- a/Introduction to Parallel Programming in Python Slides.pptx
+++ b/Introduction to Parallel Programming in Python Slides.pptx
@@ -138,13 +138,53 @@
 <file path=ppt/revisionInfo.xml><?xml version="1.0" encoding="utf-8"?>
 <p1510:revInfo xmlns:a="http://schemas.openxmlformats.org/drawingml/2006/main" xmlns:r="http://schemas.openxmlformats.org/officeDocument/2006/relationships" xmlns:p1510="http://schemas.microsoft.com/office/powerpoint/2015/10/main">
   <p1510:revLst>
-    <p1510:client id="{35200561-3F42-4629-ADAF-CB4870BA263B}" v="5" dt="2025-02-17T10:48:48.164"/>
+    <p1510:client id="{4C71BD8E-FF85-4E42-8BDD-B7324F9FBDEB}" v="1" dt="2025-10-16T13:19:21.655"/>
   </p1510:revLst>
 </p1510:revInfo>
 </file>
 
 <file path=ppt/changesInfos/changesInfo1.xml><?xml version="1.0" encoding="utf-8"?>
 <pc:chgInfo xmlns:a="http://schemas.openxmlformats.org/drawingml/2006/main" xmlns:r="http://schemas.openxmlformats.org/officeDocument/2006/relationships" xmlns:ac="http://schemas.microsoft.com/office/drawing/2013/main/command" xmlns:pc="http://schemas.microsoft.com/office/powerpoint/2013/main/command">
+  <pc:docChgLst>
+    <pc:chgData name="Cooling, Chris" userId="6dcf99c9-2ba5-410a-8445-0893a3d1421f" providerId="ADAL" clId="{4C71BD8E-FF85-4E42-8BDD-B7324F9FBDEB}"/>
+    <pc:docChg chg="custSel modSld">
+      <pc:chgData name="Cooling, Chris" userId="6dcf99c9-2ba5-410a-8445-0893a3d1421f" providerId="ADAL" clId="{4C71BD8E-FF85-4E42-8BDD-B7324F9FBDEB}" dt="2025-10-16T13:19:33.197" v="6" actId="255"/>
+      <pc:docMkLst>
+        <pc:docMk/>
+      </pc:docMkLst>
+      <pc:sldChg chg="addSp delSp modSp mod">
+        <pc:chgData name="Cooling, Chris" userId="6dcf99c9-2ba5-410a-8445-0893a3d1421f" providerId="ADAL" clId="{4C71BD8E-FF85-4E42-8BDD-B7324F9FBDEB}" dt="2025-10-16T13:19:33.197" v="6" actId="255"/>
+        <pc:sldMkLst>
+          <pc:docMk/>
+          <pc:sldMk cId="1507190070" sldId="359"/>
+        </pc:sldMkLst>
+        <pc:spChg chg="mod">
+          <ac:chgData name="Cooling, Chris" userId="6dcf99c9-2ba5-410a-8445-0893a3d1421f" providerId="ADAL" clId="{4C71BD8E-FF85-4E42-8BDD-B7324F9FBDEB}" dt="2025-10-16T13:19:33.197" v="6" actId="255"/>
+          <ac:spMkLst>
+            <pc:docMk/>
+            <pc:sldMk cId="1507190070" sldId="359"/>
+            <ac:spMk id="6" creationId="{F67B57BE-29B8-B7BA-15CB-930F83F6EB26}"/>
+          </ac:spMkLst>
+        </pc:spChg>
+        <pc:picChg chg="del">
+          <ac:chgData name="Cooling, Chris" userId="6dcf99c9-2ba5-410a-8445-0893a3d1421f" providerId="ADAL" clId="{4C71BD8E-FF85-4E42-8BDD-B7324F9FBDEB}" dt="2025-10-16T13:19:20.794" v="0" actId="478"/>
+          <ac:picMkLst>
+            <pc:docMk/>
+            <pc:sldMk cId="1507190070" sldId="359"/>
+            <ac:picMk id="4" creationId="{89D60691-669D-C1E1-2567-473D504575B3}"/>
+          </ac:picMkLst>
+        </pc:picChg>
+        <pc:picChg chg="add mod">
+          <ac:chgData name="Cooling, Chris" userId="6dcf99c9-2ba5-410a-8445-0893a3d1421f" providerId="ADAL" clId="{4C71BD8E-FF85-4E42-8BDD-B7324F9FBDEB}" dt="2025-10-16T13:19:26.155" v="5" actId="1076"/>
+          <ac:picMkLst>
+            <pc:docMk/>
+            <pc:sldMk cId="1507190070" sldId="359"/>
+            <ac:picMk id="10" creationId="{38CFBB8A-B1A0-6810-A40F-0B48B0662588}"/>
+          </ac:picMkLst>
+        </pc:picChg>
+      </pc:sldChg>
+    </pc:docChg>
+  </pc:docChgLst>
   <pc:docChgLst>
     <pc:chgData name="Cooling, Chris" userId="6dcf99c9-2ba5-410a-8445-0893a3d1421f" providerId="ADAL" clId="{35200561-3F42-4629-ADAF-CB4870BA263B}"/>
     <pc:docChg chg="undo custSel addSld delSld modSld">
@@ -158,22 +198,6 @@
           <pc:docMk/>
           <pc:sldMk cId="4254443235" sldId="322"/>
         </pc:sldMkLst>
-        <pc:spChg chg="mod">
-          <ac:chgData name="Cooling, Chris" userId="6dcf99c9-2ba5-410a-8445-0893a3d1421f" providerId="ADAL" clId="{35200561-3F42-4629-ADAF-CB4870BA263B}" dt="2025-02-17T10:28:01.409" v="91" actId="20577"/>
-          <ac:spMkLst>
-            <pc:docMk/>
-            <pc:sldMk cId="4254443235" sldId="322"/>
-            <ac:spMk id="2" creationId="{EBDB8CFF-383C-D851-D00F-2D379C5EB9AD}"/>
-          </ac:spMkLst>
-        </pc:spChg>
-        <pc:spChg chg="mod">
-          <ac:chgData name="Cooling, Chris" userId="6dcf99c9-2ba5-410a-8445-0893a3d1421f" providerId="ADAL" clId="{35200561-3F42-4629-ADAF-CB4870BA263B}" dt="2025-02-17T10:12:56.890" v="71" actId="20577"/>
-          <ac:spMkLst>
-            <pc:docMk/>
-            <pc:sldMk cId="4254443235" sldId="322"/>
-            <ac:spMk id="3" creationId="{FA9A2379-8763-5480-91C9-D345DCB62E93}"/>
-          </ac:spMkLst>
-        </pc:spChg>
       </pc:sldChg>
       <pc:sldChg chg="del">
         <pc:chgData name="Cooling, Chris" userId="6dcf99c9-2ba5-410a-8445-0893a3d1421f" providerId="ADAL" clId="{35200561-3F42-4629-ADAF-CB4870BA263B}" dt="2025-02-17T10:13:00.230" v="72" actId="47"/>
@@ -188,14 +212,6 @@
           <pc:docMk/>
           <pc:sldMk cId="243918697" sldId="334"/>
         </pc:sldMkLst>
-        <pc:spChg chg="add mod">
-          <ac:chgData name="Cooling, Chris" userId="6dcf99c9-2ba5-410a-8445-0893a3d1421f" providerId="ADAL" clId="{35200561-3F42-4629-ADAF-CB4870BA263B}" dt="2025-02-17T10:28:24.250" v="92" actId="767"/>
-          <ac:spMkLst>
-            <pc:docMk/>
-            <pc:sldMk cId="243918697" sldId="334"/>
-            <ac:spMk id="4" creationId="{5441AB67-9304-B084-A7F8-165197F1F6E1}"/>
-          </ac:spMkLst>
-        </pc:spChg>
       </pc:sldChg>
       <pc:sldChg chg="modSp mod">
         <pc:chgData name="Cooling, Chris" userId="6dcf99c9-2ba5-410a-8445-0893a3d1421f" providerId="ADAL" clId="{35200561-3F42-4629-ADAF-CB4870BA263B}" dt="2025-02-17T10:28:58.025" v="100" actId="113"/>
@@ -203,14 +219,6 @@
           <pc:docMk/>
           <pc:sldMk cId="16407505" sldId="361"/>
         </pc:sldMkLst>
-        <pc:spChg chg="mod">
-          <ac:chgData name="Cooling, Chris" userId="6dcf99c9-2ba5-410a-8445-0893a3d1421f" providerId="ADAL" clId="{35200561-3F42-4629-ADAF-CB4870BA263B}" dt="2025-02-17T10:28:58.025" v="100" actId="113"/>
-          <ac:spMkLst>
-            <pc:docMk/>
-            <pc:sldMk cId="16407505" sldId="361"/>
-            <ac:spMk id="3" creationId="{3059243C-26C4-B42B-1D89-75DB3A5CA945}"/>
-          </ac:spMkLst>
-        </pc:spChg>
       </pc:sldChg>
       <pc:sldChg chg="add del">
         <pc:chgData name="Cooling, Chris" userId="6dcf99c9-2ba5-410a-8445-0893a3d1421f" providerId="ADAL" clId="{35200561-3F42-4629-ADAF-CB4870BA263B}" dt="2025-02-17T10:15:14.866" v="75" actId="47"/>
@@ -313,7 +321,7 @@
           <a:p>
             <a:fld id="{D2E0D2A8-8F95-47C2-ABE1-A779F5A43C98}" type="datetimeFigureOut">
               <a:rPr lang="en-US" smtClean="0"/>
-              <a:t>2/17/2025</a:t>
+              <a:t>10/16/2025</a:t>
             </a:fld>
             <a:endParaRPr lang="en-US"/>
           </a:p>
@@ -1215,7 +1223,7 @@
           <a:p>
             <a:fld id="{DABADC3E-D2DA-493A-8501-3BF5D48E379E}" type="datetime1">
               <a:rPr lang="en-GB" smtClean="0"/>
-              <a:t>17/02/2025</a:t>
+              <a:t>16/10/2025</a:t>
             </a:fld>
             <a:endParaRPr lang="en-GB"/>
           </a:p>
@@ -1541,7 +1549,7 @@
           <a:p>
             <a:fld id="{917D92FE-DCEE-4EBE-A334-92986612DE87}" type="datetime1">
               <a:rPr lang="en-GB" smtClean="0"/>
-              <a:t>17/02/2025</a:t>
+              <a:t>16/10/2025</a:t>
             </a:fld>
             <a:endParaRPr lang="en-GB"/>
           </a:p>
@@ -1869,7 +1877,7 @@
           <a:p>
             <a:fld id="{7AC9FEEB-D51B-4D71-9BFE-4DDF4782DAAB}" type="datetime1">
               <a:rPr lang="en-GB" smtClean="0"/>
-              <a:t>17/02/2025</a:t>
+              <a:t>16/10/2025</a:t>
             </a:fld>
             <a:endParaRPr lang="en-GB"/>
           </a:p>
@@ -2245,7 +2253,7 @@
           <a:p>
             <a:fld id="{A21AD850-CE1B-4C1F-A56B-7DC6C21E3DD8}" type="datetime1">
               <a:rPr lang="en-GB" smtClean="0"/>
-              <a:t>17/02/2025</a:t>
+              <a:t>16/10/2025</a:t>
             </a:fld>
             <a:endParaRPr lang="en-GB"/>
           </a:p>
@@ -2629,7 +2637,7 @@
           <a:p>
             <a:fld id="{C15599F8-4480-44BC-A716-893E67C2735D}" type="datetime1">
               <a:rPr lang="en-GB" smtClean="0"/>
-              <a:t>17/02/2025</a:t>
+              <a:t>16/10/2025</a:t>
             </a:fld>
             <a:endParaRPr lang="en-GB"/>
           </a:p>
@@ -3015,7 +3023,7 @@
           <a:p>
             <a:fld id="{6F60219F-B161-4F0E-A533-08903C48AB16}" type="datetime1">
               <a:rPr lang="en-GB" smtClean="0"/>
-              <a:t>17/02/2025</a:t>
+              <a:t>16/10/2025</a:t>
             </a:fld>
             <a:endParaRPr lang="en-GB"/>
           </a:p>
@@ -3243,7 +3251,7 @@
           <a:p>
             <a:fld id="{D343765C-B395-445A-BB7D-91633782B26F}" type="datetime1">
               <a:rPr lang="en-GB" smtClean="0"/>
-              <a:t>17/02/2025</a:t>
+              <a:t>16/10/2025</a:t>
             </a:fld>
             <a:endParaRPr lang="en-GB"/>
           </a:p>
@@ -3741,7 +3749,7 @@
           <a:p>
             <a:fld id="{7DB9A23E-AF96-4287-BE28-1ADB76C94297}" type="datetime1">
               <a:rPr lang="en-GB" smtClean="0"/>
-              <a:t>17/02/2025</a:t>
+              <a:t>16/10/2025</a:t>
             </a:fld>
             <a:endParaRPr lang="en-GB"/>
           </a:p>
@@ -4241,7 +4249,7 @@
           <a:p>
             <a:fld id="{BCE028E5-4630-4A49-8CD8-75F4D5CBCCC6}" type="datetime1">
               <a:rPr lang="en-GB" smtClean="0"/>
-              <a:t>17/02/2025</a:t>
+              <a:t>16/10/2025</a:t>
             </a:fld>
             <a:endParaRPr lang="en-GB"/>
           </a:p>
@@ -4731,7 +4739,7 @@
           <a:p>
             <a:fld id="{7711CE83-213E-403F-B9DD-19FD65A588A1}" type="datetime1">
               <a:rPr lang="en-GB" smtClean="0"/>
-              <a:t>17/02/2025</a:t>
+              <a:t>16/10/2025</a:t>
             </a:fld>
             <a:endParaRPr lang="en-GB"/>
           </a:p>
@@ -5542,7 +5550,7 @@
           <a:p>
             <a:fld id="{136CEB5B-3393-43ED-8673-03B8DC33DB28}" type="datetime1">
               <a:rPr lang="en-GB" smtClean="0"/>
-              <a:t>17/02/2025</a:t>
+              <a:t>16/10/2025</a:t>
             </a:fld>
             <a:endParaRPr lang="en-GB"/>
           </a:p>
@@ -6159,7 +6167,7 @@
           <a:p>
             <a:fld id="{7965E0CD-E151-4A33-A2A2-03B2E7CC8BC9}" type="datetime1">
               <a:rPr lang="en-GB" smtClean="0"/>
-              <a:t>17/02/2025</a:t>
+              <a:t>16/10/2025</a:t>
             </a:fld>
             <a:endParaRPr lang="en-GB"/>
           </a:p>
@@ -6779,7 +6787,7 @@
           <a:p>
             <a:fld id="{63BE47D8-FCEA-416F-B7B1-01F646113A42}" type="datetime1">
               <a:rPr lang="en-GB" smtClean="0"/>
-              <a:t>17/02/2025</a:t>
+              <a:t>16/10/2025</a:t>
             </a:fld>
             <a:endParaRPr lang="en-GB"/>
           </a:p>
@@ -6950,7 +6958,7 @@
           <a:p>
             <a:fld id="{C92CB672-F5C9-442D-9472-3A64DE84F92F}" type="datetime1">
               <a:rPr lang="en-GB" smtClean="0"/>
-              <a:t>17/02/2025</a:t>
+              <a:t>16/10/2025</a:t>
             </a:fld>
             <a:endParaRPr lang="en-GB"/>
           </a:p>
@@ -7123,7 +7131,7 @@
           <a:p>
             <a:fld id="{7AC070C0-CAB8-4E6F-B082-BF123D1F5BA2}" type="datetime1">
               <a:rPr lang="en-GB" smtClean="0"/>
-              <a:t>17/02/2025</a:t>
+              <a:t>16/10/2025</a:t>
             </a:fld>
             <a:endParaRPr lang="en-GB"/>
           </a:p>
@@ -7302,7 +7310,7 @@
           <a:p>
             <a:fld id="{7241B20C-921E-48FE-A703-F29C015D579A}" type="datetime1">
               <a:rPr lang="en-GB" smtClean="0"/>
-              <a:t>17/02/2025</a:t>
+              <a:t>16/10/2025</a:t>
             </a:fld>
             <a:endParaRPr lang="en-GB" dirty="0"/>
           </a:p>
@@ -7496,7 +7504,7 @@
           <a:p>
             <a:fld id="{20208042-536C-4D8C-90A0-2119E5C233D7}" type="datetime1">
               <a:rPr lang="en-GB" smtClean="0"/>
-              <a:t>17/02/2025</a:t>
+              <a:t>16/10/2025</a:t>
             </a:fld>
             <a:endParaRPr lang="en-GB" dirty="0"/>
           </a:p>
@@ -7776,7 +7784,7 @@
           <a:p>
             <a:fld id="{8AF91EFE-107C-46F7-83A1-FFD667E7E54A}" type="datetime1">
               <a:rPr lang="en-GB" smtClean="0"/>
-              <a:t>17/02/2025</a:t>
+              <a:t>16/10/2025</a:t>
             </a:fld>
             <a:endParaRPr lang="en-GB" dirty="0"/>
           </a:p>
@@ -8057,7 +8065,7 @@
           <a:p>
             <a:fld id="{BD7D8B94-1018-4413-B6E0-124BC3467509}" type="datetime1">
               <a:rPr lang="en-GB" smtClean="0"/>
-              <a:t>17/02/2025</a:t>
+              <a:t>16/10/2025</a:t>
             </a:fld>
             <a:endParaRPr lang="en-GB" dirty="0"/>
           </a:p>
@@ -8337,7 +8345,7 @@
           <a:p>
             <a:fld id="{4575A678-38A5-4559-9323-15C114EB5D99}" type="datetime1">
               <a:rPr lang="en-GB" smtClean="0"/>
-              <a:t>17/02/2025</a:t>
+              <a:t>16/10/2025</a:t>
             </a:fld>
             <a:endParaRPr lang="en-GB" dirty="0"/>
           </a:p>
@@ -8813,7 +8821,7 @@
           <a:p>
             <a:fld id="{3F3326D5-AD77-4375-BBD9-A0CE57142B61}" type="datetime1">
               <a:rPr lang="en-GB" smtClean="0"/>
-              <a:t>17/02/2025</a:t>
+              <a:t>16/10/2025</a:t>
             </a:fld>
             <a:endParaRPr lang="en-GB" dirty="0"/>
           </a:p>
@@ -9093,7 +9101,7 @@
           <a:p>
             <a:fld id="{45105003-67C5-4B3B-968F-E585BF1105C6}" type="datetime1">
               <a:rPr lang="en-GB" smtClean="0"/>
-              <a:t>17/02/2025</a:t>
+              <a:t>16/10/2025</a:t>
             </a:fld>
             <a:endParaRPr lang="en-GB" dirty="0"/>
           </a:p>
@@ -9373,7 +9381,7 @@
           <a:p>
             <a:fld id="{614C8D5B-C751-4C5C-A0E5-6FAA17E6722E}" type="datetime1">
               <a:rPr lang="en-GB" smtClean="0"/>
-              <a:t>17/02/2025</a:t>
+              <a:t>16/10/2025</a:t>
             </a:fld>
             <a:endParaRPr lang="en-GB" dirty="0"/>
           </a:p>
@@ -9637,7 +9645,7 @@
           <a:p>
             <a:fld id="{1111F10B-E8A1-4BA4-8B68-ED4C88BF6EAE}" type="datetime1">
               <a:rPr lang="en-GB" smtClean="0"/>
-              <a:t>17/02/2025</a:t>
+              <a:t>16/10/2025</a:t>
             </a:fld>
             <a:endParaRPr lang="en-GB"/>
           </a:p>
@@ -10025,7 +10033,7 @@
           <a:p>
             <a:fld id="{6A271EC6-A755-481E-A186-58140BAAB9C2}" type="datetime1">
               <a:rPr lang="en-GB" smtClean="0"/>
-              <a:t>17/02/2025</a:t>
+              <a:t>16/10/2025</a:t>
             </a:fld>
             <a:endParaRPr lang="en-GB"/>
           </a:p>
@@ -10407,7 +10415,7 @@
           <a:p>
             <a:fld id="{36DCFCF2-35E8-4AE7-B8A8-E023A22927C2}" type="datetime1">
               <a:rPr lang="en-GB" smtClean="0"/>
-              <a:t>17/02/2025</a:t>
+              <a:t>16/10/2025</a:t>
             </a:fld>
             <a:endParaRPr lang="en-GB"/>
           </a:p>
@@ -10779,7 +10787,7 @@
           <a:p>
             <a:fld id="{5FE005E5-0E97-4E54-A3B7-99BE9AFFA17B}" type="datetime1">
               <a:rPr lang="en-GB" smtClean="0"/>
-              <a:t>17/02/2025</a:t>
+              <a:t>16/10/2025</a:t>
             </a:fld>
             <a:endParaRPr lang="en-GB"/>
           </a:p>
@@ -11186,7 +11194,7 @@
           <a:p>
             <a:fld id="{1C440C89-29E0-41C0-8072-6058FA9645E9}" type="datetime1">
               <a:rPr lang="en-GB" smtClean="0"/>
-              <a:t>17/02/2025</a:t>
+              <a:t>16/10/2025</a:t>
             </a:fld>
             <a:endParaRPr lang="en-GB"/>
           </a:p>
@@ -11595,7 +11603,7 @@
           <a:p>
             <a:fld id="{CCFDC51B-F576-40D6-9826-F50E8975402A}" type="datetime1">
               <a:rPr lang="en-GB" smtClean="0"/>
-              <a:t>17/02/2025</a:t>
+              <a:t>16/10/2025</a:t>
             </a:fld>
             <a:endParaRPr lang="en-GB"/>
           </a:p>
@@ -11994,7 +12002,7 @@
           <a:p>
             <a:fld id="{83DE490A-AB4E-44BC-9A51-846D12BC9A2C}" type="datetime1">
               <a:rPr lang="en-GB" smtClean="0"/>
-              <a:t>17/02/2025</a:t>
+              <a:t>16/10/2025</a:t>
             </a:fld>
             <a:endParaRPr lang="en-GB"/>
           </a:p>
@@ -12792,7 +12800,7 @@
           <a:p>
             <a:fld id="{F49625EA-C875-40EC-812F-5780CCAEF4AA}" type="datetime1">
               <a:rPr lang="en-GB" smtClean="0"/>
-              <a:t>17/02/2025</a:t>
+              <a:t>16/10/2025</a:t>
             </a:fld>
             <a:endParaRPr lang="en-GB"/>
           </a:p>
@@ -13396,7 +13404,7 @@
           <a:p>
             <a:fld id="{3C09C406-B357-4129-A455-8C86CAA0A02D}" type="datetime1">
               <a:rPr lang="en-GB" smtClean="0"/>
-              <a:t>17/02/2025</a:t>
+              <a:t>16/10/2025</a:t>
             </a:fld>
             <a:endParaRPr lang="en-GB"/>
           </a:p>
@@ -13990,7 +13998,7 @@
           <a:p>
             <a:fld id="{59839C6A-7569-4AEB-A397-9051E9045969}" type="datetime1">
               <a:rPr lang="en-GB" smtClean="0"/>
-              <a:t>17/02/2025</a:t>
+              <a:t>16/10/2025</a:t>
             </a:fld>
             <a:endParaRPr lang="en-GB"/>
           </a:p>
@@ -14327,7 +14335,7 @@
           <a:p>
             <a:fld id="{28E7FA29-8268-4491-A8F4-837D35EEA7A8}" type="datetime1">
               <a:rPr lang="en-GB" smtClean="0"/>
-              <a:t>17/02/2025</a:t>
+              <a:t>16/10/2025</a:t>
             </a:fld>
             <a:endParaRPr lang="en-GB"/>
           </a:p>
@@ -14666,7 +14674,7 @@
           <a:p>
             <a:fld id="{90113DAD-9836-412E-8FC7-CD0764669967}" type="datetime1">
               <a:rPr lang="en-GB" smtClean="0"/>
-              <a:t>17/02/2025</a:t>
+              <a:t>16/10/2025</a:t>
             </a:fld>
             <a:endParaRPr lang="en-GB"/>
           </a:p>
@@ -14995,7 +15003,7 @@
           <a:p>
             <a:fld id="{7153B6F1-AEE6-442A-B141-1E86D43F003A}" type="datetime1">
               <a:rPr lang="en-GB" smtClean="0"/>
-              <a:t>17/02/2025</a:t>
+              <a:t>16/10/2025</a:t>
             </a:fld>
             <a:endParaRPr lang="en-GB"/>
           </a:p>
@@ -15332,7 +15340,7 @@
           <a:p>
             <a:fld id="{E90F1D13-E7E9-4BF7-92BE-67A592DDA1E6}" type="datetime1">
               <a:rPr lang="en-GB" smtClean="0"/>
-              <a:t>17/02/2025</a:t>
+              <a:t>16/10/2025</a:t>
             </a:fld>
             <a:endParaRPr lang="en-GB"/>
           </a:p>
@@ -15671,7 +15679,7 @@
           <a:p>
             <a:fld id="{F20F7650-52C1-45D7-9783-1B632DECD8C7}" type="datetime1">
               <a:rPr lang="en-GB" smtClean="0"/>
-              <a:t>17/02/2025</a:t>
+              <a:t>16/10/2025</a:t>
             </a:fld>
             <a:endParaRPr lang="en-GB"/>
           </a:p>
@@ -16000,7 +16008,7 @@
           <a:p>
             <a:fld id="{706E6634-9697-470B-A866-7A3A7553D5F1}" type="datetime1">
               <a:rPr lang="en-GB" smtClean="0"/>
-              <a:t>17/02/2025</a:t>
+              <a:t>16/10/2025</a:t>
             </a:fld>
             <a:endParaRPr lang="en-GB"/>
           </a:p>
@@ -16238,7 +16246,7 @@
           <a:p>
             <a:fld id="{C1FC16FB-0B57-4AD4-9A6E-9C9E2AB17266}" type="datetime1">
               <a:rPr lang="en-GB" smtClean="0"/>
-              <a:t>17/02/2025</a:t>
+              <a:t>16/10/2025</a:t>
             </a:fld>
             <a:endParaRPr lang="en-GB"/>
           </a:p>
@@ -16674,7 +16682,7 @@
           <a:p>
             <a:fld id="{8E6710B1-4110-4C9F-8D4B-EE28136D117F}" type="datetime1">
               <a:rPr lang="en-GB" smtClean="0"/>
-              <a:t>17/02/2025</a:t>
+              <a:t>16/10/2025</a:t>
             </a:fld>
             <a:endParaRPr lang="en-GB"/>
           </a:p>
@@ -17212,7 +17220,7 @@
           <a:p>
             <a:fld id="{3B31D3C1-F82F-4CB8-A70E-D239E02CC7BD}" type="datetime1">
               <a:rPr lang="en-GB" smtClean="0"/>
-              <a:t>17/02/2025</a:t>
+              <a:t>16/10/2025</a:t>
             </a:fld>
             <a:endParaRPr lang="en-GB"/>
           </a:p>
@@ -17491,7 +17499,7 @@
           <a:p>
             <a:fld id="{13582DD9-85A1-4017-BC8B-D6D9E91FD40F}" type="datetime1">
               <a:rPr lang="en-GB" smtClean="0"/>
-              <a:t>17/02/2025</a:t>
+              <a:t>16/10/2025</a:t>
             </a:fld>
             <a:endParaRPr lang="en-GB"/>
           </a:p>
@@ -17776,7 +17784,7 @@
           <a:p>
             <a:fld id="{C5A3CB9B-296D-4776-8BD2-9B69131702C8}" type="datetime1">
               <a:rPr lang="en-GB" smtClean="0"/>
-              <a:t>17/02/2025</a:t>
+              <a:t>16/10/2025</a:t>
             </a:fld>
             <a:endParaRPr lang="en-GB"/>
           </a:p>
@@ -18069,7 +18077,7 @@
           <a:p>
             <a:fld id="{0870C1F9-82A7-4694-BC95-9765B9ADFAA5}" type="datetime1">
               <a:rPr lang="en-GB" smtClean="0"/>
-              <a:t>17/02/2025</a:t>
+              <a:t>16/10/2025</a:t>
             </a:fld>
             <a:endParaRPr lang="en-GB"/>
           </a:p>
@@ -18486,7 +18494,7 @@
           <a:p>
             <a:fld id="{56035B73-EA03-4DE1-829C-24B16FADC510}" type="datetime1">
               <a:rPr lang="en-GB" smtClean="0"/>
-              <a:t>17/02/2025</a:t>
+              <a:t>16/10/2025</a:t>
             </a:fld>
             <a:endParaRPr lang="en-GB" dirty="0"/>
           </a:p>
@@ -19277,7 +19285,7 @@
           <a:p>
             <a:fld id="{2B536CB7-DFEA-4F98-ABD3-A1969468ED80}" type="datetime1">
               <a:rPr lang="en-GB" smtClean="0"/>
-              <a:t>17/02/2025</a:t>
+              <a:t>16/10/2025</a:t>
             </a:fld>
             <a:endParaRPr lang="en-GB"/>
           </a:p>
@@ -19626,7 +19634,7 @@
           <a:p>
             <a:fld id="{FEBF4202-0BFC-4E93-9747-302E53398C05}" type="datetime1">
               <a:rPr lang="en-GB" smtClean="0"/>
-              <a:t>17/02/2025</a:t>
+              <a:t>16/10/2025</a:t>
             </a:fld>
             <a:endParaRPr lang="en-GB"/>
           </a:p>
@@ -19962,7 +19970,7 @@
           <a:p>
             <a:fld id="{C284F42F-B3C5-4742-A627-7F087B8E4AF0}" type="datetime1">
               <a:rPr lang="en-GB" smtClean="0"/>
-              <a:t>17/02/2025</a:t>
+              <a:t>16/10/2025</a:t>
             </a:fld>
             <a:endParaRPr lang="en-GB"/>
           </a:p>
@@ -20128,7 +20136,7 @@
           <a:p>
             <a:fld id="{D039B8C1-37D9-4E65-816B-25E546F8DA5B}" type="datetime1">
               <a:rPr lang="en-GB" smtClean="0"/>
-              <a:t>17/02/2025</a:t>
+              <a:t>16/10/2025</a:t>
             </a:fld>
             <a:endParaRPr lang="en-GB"/>
           </a:p>
@@ -20285,7 +20293,7 @@
               <a:buChar char="•"/>
             </a:pPr>
             <a:r>
-              <a:rPr lang="en-GB" sz="3000" dirty="0"/>
+              <a:rPr lang="en-GB" sz="2800" dirty="0"/>
               <a:t>Once you’ve completed this course, please provide feedback</a:t>
             </a:r>
           </a:p>
@@ -20295,11 +20303,11 @@
               <a:buChar char="•"/>
             </a:pPr>
             <a:r>
-              <a:rPr lang="en-GB" sz="2600" dirty="0"/>
+              <a:rPr lang="en-GB" sz="2800" dirty="0"/>
               <a:t>The link is </a:t>
             </a:r>
             <a:r>
-              <a:rPr lang="en-GB" sz="2600" b="0" i="0" u="sng" dirty="0">
+              <a:rPr lang="en-GB" sz="2800" b="0" i="0" u="sng" dirty="0">
                 <a:solidFill>
                   <a:srgbClr val="0563C1"/>
                 </a:solidFill>
@@ -20308,7 +20316,7 @@
               </a:rPr>
               <a:t>https://tinyurl.com/feedback-rcds</a:t>
             </a:r>
-            <a:endParaRPr lang="en-GB" sz="2600" b="0" i="0" u="sng" dirty="0">
+            <a:endParaRPr lang="en-GB" sz="2800" b="0" i="0" u="sng" dirty="0">
               <a:solidFill>
                 <a:srgbClr val="0563C1"/>
               </a:solidFill>
@@ -20321,7 +20329,7 @@
               <a:buChar char="•"/>
             </a:pPr>
             <a:r>
-              <a:rPr lang="en-GB" sz="2600" dirty="0"/>
+              <a:rPr lang="en-GB" sz="2800" dirty="0"/>
               <a:t>You should also have received an email with this link</a:t>
             </a:r>
           </a:p>
@@ -20331,7 +20339,7 @@
               <a:buChar char="•"/>
             </a:pPr>
             <a:r>
-              <a:rPr lang="en-GB" sz="2600" dirty="0"/>
+              <a:rPr lang="en-GB" sz="2800" dirty="0"/>
               <a:t>This helps us improve the class for future students</a:t>
             </a:r>
           </a:p>
@@ -20342,10 +20350,10 @@
       </p:sp>
       <p:pic>
         <p:nvPicPr>
-          <p:cNvPr id="4" name="Picture 3" descr="Qr code&#10;&#10;Description automatically generated">
-            <a:extLst>
-              <a:ext uri="{FF2B5EF4-FFF2-40B4-BE49-F238E27FC236}">
-                <a16:creationId xmlns:a16="http://schemas.microsoft.com/office/drawing/2014/main" id="{89D60691-669D-C1E1-2567-473D504575B3}"/>
+          <p:cNvPr id="10" name="Picture 9" descr="A qr code on a white background&#10;&#10;AI-generated content may be incorrect.">
+            <a:extLst>
+              <a:ext uri="{FF2B5EF4-FFF2-40B4-BE49-F238E27FC236}">
+                <a16:creationId xmlns:a16="http://schemas.microsoft.com/office/drawing/2014/main" id="{38CFBB8A-B1A0-6810-A40F-0B48B0662588}"/>
               </a:ext>
             </a:extLst>
           </p:cNvPr>
@@ -20355,15 +20363,21 @@
           <p:nvPr/>
         </p:nvPicPr>
         <p:blipFill>
-          <a:blip r:embed="rId4"/>
+          <a:blip r:embed="rId4">
+            <a:extLst>
+              <a:ext uri="{28A0092B-C50C-407E-A947-70E740481C1C}">
+                <a14:useLocalDpi xmlns:a14="http://schemas.microsoft.com/office/drawing/2010/main" val="0"/>
+              </a:ext>
+            </a:extLst>
+          </a:blip>
           <a:stretch>
             <a:fillRect/>
           </a:stretch>
         </p:blipFill>
         <p:spPr>
           <a:xfrm>
-            <a:off x="734518" y="1420597"/>
-            <a:ext cx="4307349" cy="4307349"/>
+            <a:off x="136038" y="837385"/>
+            <a:ext cx="5348975" cy="5348975"/>
           </a:xfrm>
           <a:prstGeom prst="rect">
             <a:avLst/>

--- a/Introduction to Parallel Programming in Python Slides.pptx
+++ b/Introduction to Parallel Programming in Python Slides.pptx
@@ -138,7 +138,7 @@
 <file path=ppt/revisionInfo.xml><?xml version="1.0" encoding="utf-8"?>
 <p1510:revInfo xmlns:a="http://schemas.openxmlformats.org/drawingml/2006/main" xmlns:r="http://schemas.openxmlformats.org/officeDocument/2006/relationships" xmlns:p1510="http://schemas.microsoft.com/office/powerpoint/2015/10/main">
   <p1510:revLst>
-    <p1510:client id="{4C71BD8E-FF85-4E42-8BDD-B7324F9FBDEB}" v="1" dt="2025-10-16T13:19:21.655"/>
+    <p1510:client id="{4C71BD8E-FF85-4E42-8BDD-B7324F9FBDEB}" v="3" dt="2025-10-24T08:53:10.403"/>
   </p1510:revLst>
 </p1510:revInfo>
 </file>
@@ -148,32 +148,24 @@
   <pc:docChgLst>
     <pc:chgData name="Cooling, Chris" userId="6dcf99c9-2ba5-410a-8445-0893a3d1421f" providerId="ADAL" clId="{4C71BD8E-FF85-4E42-8BDD-B7324F9FBDEB}"/>
     <pc:docChg chg="custSel modSld">
-      <pc:chgData name="Cooling, Chris" userId="6dcf99c9-2ba5-410a-8445-0893a3d1421f" providerId="ADAL" clId="{4C71BD8E-FF85-4E42-8BDD-B7324F9FBDEB}" dt="2025-10-16T13:19:33.197" v="6" actId="255"/>
+      <pc:chgData name="Cooling, Chris" userId="6dcf99c9-2ba5-410a-8445-0893a3d1421f" providerId="ADAL" clId="{4C71BD8E-FF85-4E42-8BDD-B7324F9FBDEB}" dt="2025-10-24T08:53:10.398" v="8" actId="20577"/>
       <pc:docMkLst>
         <pc:docMk/>
       </pc:docMkLst>
       <pc:sldChg chg="addSp delSp modSp mod">
-        <pc:chgData name="Cooling, Chris" userId="6dcf99c9-2ba5-410a-8445-0893a3d1421f" providerId="ADAL" clId="{4C71BD8E-FF85-4E42-8BDD-B7324F9FBDEB}" dt="2025-10-16T13:19:33.197" v="6" actId="255"/>
+        <pc:chgData name="Cooling, Chris" userId="6dcf99c9-2ba5-410a-8445-0893a3d1421f" providerId="ADAL" clId="{4C71BD8E-FF85-4E42-8BDD-B7324F9FBDEB}" dt="2025-10-24T08:53:10.398" v="8" actId="20577"/>
         <pc:sldMkLst>
           <pc:docMk/>
           <pc:sldMk cId="1507190070" sldId="359"/>
         </pc:sldMkLst>
         <pc:spChg chg="mod">
-          <ac:chgData name="Cooling, Chris" userId="6dcf99c9-2ba5-410a-8445-0893a3d1421f" providerId="ADAL" clId="{4C71BD8E-FF85-4E42-8BDD-B7324F9FBDEB}" dt="2025-10-16T13:19:33.197" v="6" actId="255"/>
+          <ac:chgData name="Cooling, Chris" userId="6dcf99c9-2ba5-410a-8445-0893a3d1421f" providerId="ADAL" clId="{4C71BD8E-FF85-4E42-8BDD-B7324F9FBDEB}" dt="2025-10-24T08:53:10.398" v="8" actId="20577"/>
           <ac:spMkLst>
             <pc:docMk/>
             <pc:sldMk cId="1507190070" sldId="359"/>
             <ac:spMk id="6" creationId="{F67B57BE-29B8-B7BA-15CB-930F83F6EB26}"/>
           </ac:spMkLst>
         </pc:spChg>
-        <pc:picChg chg="del">
-          <ac:chgData name="Cooling, Chris" userId="6dcf99c9-2ba5-410a-8445-0893a3d1421f" providerId="ADAL" clId="{4C71BD8E-FF85-4E42-8BDD-B7324F9FBDEB}" dt="2025-10-16T13:19:20.794" v="0" actId="478"/>
-          <ac:picMkLst>
-            <pc:docMk/>
-            <pc:sldMk cId="1507190070" sldId="359"/>
-            <ac:picMk id="4" creationId="{89D60691-669D-C1E1-2567-473D504575B3}"/>
-          </ac:picMkLst>
-        </pc:picChg>
         <pc:picChg chg="add mod">
           <ac:chgData name="Cooling, Chris" userId="6dcf99c9-2ba5-410a-8445-0893a3d1421f" providerId="ADAL" clId="{4C71BD8E-FF85-4E42-8BDD-B7324F9FBDEB}" dt="2025-10-16T13:19:26.155" v="5" actId="1076"/>
           <ac:picMkLst>
@@ -321,7 +313,7 @@
           <a:p>
             <a:fld id="{D2E0D2A8-8F95-47C2-ABE1-A779F5A43C98}" type="datetimeFigureOut">
               <a:rPr lang="en-US" smtClean="0"/>
-              <a:t>10/16/2025</a:t>
+              <a:t>10/24/2025</a:t>
             </a:fld>
             <a:endParaRPr lang="en-US"/>
           </a:p>
@@ -1223,7 +1215,7 @@
           <a:p>
             <a:fld id="{DABADC3E-D2DA-493A-8501-3BF5D48E379E}" type="datetime1">
               <a:rPr lang="en-GB" smtClean="0"/>
-              <a:t>16/10/2025</a:t>
+              <a:t>24/10/2025</a:t>
             </a:fld>
             <a:endParaRPr lang="en-GB"/>
           </a:p>
@@ -1549,7 +1541,7 @@
           <a:p>
             <a:fld id="{917D92FE-DCEE-4EBE-A334-92986612DE87}" type="datetime1">
               <a:rPr lang="en-GB" smtClean="0"/>
-              <a:t>16/10/2025</a:t>
+              <a:t>24/10/2025</a:t>
             </a:fld>
             <a:endParaRPr lang="en-GB"/>
           </a:p>
@@ -1877,7 +1869,7 @@
           <a:p>
             <a:fld id="{7AC9FEEB-D51B-4D71-9BFE-4DDF4782DAAB}" type="datetime1">
               <a:rPr lang="en-GB" smtClean="0"/>
-              <a:t>16/10/2025</a:t>
+              <a:t>24/10/2025</a:t>
             </a:fld>
             <a:endParaRPr lang="en-GB"/>
           </a:p>
@@ -2253,7 +2245,7 @@
           <a:p>
             <a:fld id="{A21AD850-CE1B-4C1F-A56B-7DC6C21E3DD8}" type="datetime1">
               <a:rPr lang="en-GB" smtClean="0"/>
-              <a:t>16/10/2025</a:t>
+              <a:t>24/10/2025</a:t>
             </a:fld>
             <a:endParaRPr lang="en-GB"/>
           </a:p>
@@ -2637,7 +2629,7 @@
           <a:p>
             <a:fld id="{C15599F8-4480-44BC-A716-893E67C2735D}" type="datetime1">
               <a:rPr lang="en-GB" smtClean="0"/>
-              <a:t>16/10/2025</a:t>
+              <a:t>24/10/2025</a:t>
             </a:fld>
             <a:endParaRPr lang="en-GB"/>
           </a:p>
@@ -3023,7 +3015,7 @@
           <a:p>
             <a:fld id="{6F60219F-B161-4F0E-A533-08903C48AB16}" type="datetime1">
               <a:rPr lang="en-GB" smtClean="0"/>
-              <a:t>16/10/2025</a:t>
+              <a:t>24/10/2025</a:t>
             </a:fld>
             <a:endParaRPr lang="en-GB"/>
           </a:p>
@@ -3251,7 +3243,7 @@
           <a:p>
             <a:fld id="{D343765C-B395-445A-BB7D-91633782B26F}" type="datetime1">
               <a:rPr lang="en-GB" smtClean="0"/>
-              <a:t>16/10/2025</a:t>
+              <a:t>24/10/2025</a:t>
             </a:fld>
             <a:endParaRPr lang="en-GB"/>
           </a:p>
@@ -3749,7 +3741,7 @@
           <a:p>
             <a:fld id="{7DB9A23E-AF96-4287-BE28-1ADB76C94297}" type="datetime1">
               <a:rPr lang="en-GB" smtClean="0"/>
-              <a:t>16/10/2025</a:t>
+              <a:t>24/10/2025</a:t>
             </a:fld>
             <a:endParaRPr lang="en-GB"/>
           </a:p>
@@ -4249,7 +4241,7 @@
           <a:p>
             <a:fld id="{BCE028E5-4630-4A49-8CD8-75F4D5CBCCC6}" type="datetime1">
               <a:rPr lang="en-GB" smtClean="0"/>
-              <a:t>16/10/2025</a:t>
+              <a:t>24/10/2025</a:t>
             </a:fld>
             <a:endParaRPr lang="en-GB"/>
           </a:p>
@@ -4739,7 +4731,7 @@
           <a:p>
             <a:fld id="{7711CE83-213E-403F-B9DD-19FD65A588A1}" type="datetime1">
               <a:rPr lang="en-GB" smtClean="0"/>
-              <a:t>16/10/2025</a:t>
+              <a:t>24/10/2025</a:t>
             </a:fld>
             <a:endParaRPr lang="en-GB"/>
           </a:p>
@@ -5550,7 +5542,7 @@
           <a:p>
             <a:fld id="{136CEB5B-3393-43ED-8673-03B8DC33DB28}" type="datetime1">
               <a:rPr lang="en-GB" smtClean="0"/>
-              <a:t>16/10/2025</a:t>
+              <a:t>24/10/2025</a:t>
             </a:fld>
             <a:endParaRPr lang="en-GB"/>
           </a:p>
@@ -6167,7 +6159,7 @@
           <a:p>
             <a:fld id="{7965E0CD-E151-4A33-A2A2-03B2E7CC8BC9}" type="datetime1">
               <a:rPr lang="en-GB" smtClean="0"/>
-              <a:t>16/10/2025</a:t>
+              <a:t>24/10/2025</a:t>
             </a:fld>
             <a:endParaRPr lang="en-GB"/>
           </a:p>
@@ -6787,7 +6779,7 @@
           <a:p>
             <a:fld id="{63BE47D8-FCEA-416F-B7B1-01F646113A42}" type="datetime1">
               <a:rPr lang="en-GB" smtClean="0"/>
-              <a:t>16/10/2025</a:t>
+              <a:t>24/10/2025</a:t>
             </a:fld>
             <a:endParaRPr lang="en-GB"/>
           </a:p>
@@ -6958,7 +6950,7 @@
           <a:p>
             <a:fld id="{C92CB672-F5C9-442D-9472-3A64DE84F92F}" type="datetime1">
               <a:rPr lang="en-GB" smtClean="0"/>
-              <a:t>16/10/2025</a:t>
+              <a:t>24/10/2025</a:t>
             </a:fld>
             <a:endParaRPr lang="en-GB"/>
           </a:p>
@@ -7131,7 +7123,7 @@
           <a:p>
             <a:fld id="{7AC070C0-CAB8-4E6F-B082-BF123D1F5BA2}" type="datetime1">
               <a:rPr lang="en-GB" smtClean="0"/>
-              <a:t>16/10/2025</a:t>
+              <a:t>24/10/2025</a:t>
             </a:fld>
             <a:endParaRPr lang="en-GB"/>
           </a:p>
@@ -7310,7 +7302,7 @@
           <a:p>
             <a:fld id="{7241B20C-921E-48FE-A703-F29C015D579A}" type="datetime1">
               <a:rPr lang="en-GB" smtClean="0"/>
-              <a:t>16/10/2025</a:t>
+              <a:t>24/10/2025</a:t>
             </a:fld>
             <a:endParaRPr lang="en-GB" dirty="0"/>
           </a:p>
@@ -7504,7 +7496,7 @@
           <a:p>
             <a:fld id="{20208042-536C-4D8C-90A0-2119E5C233D7}" type="datetime1">
               <a:rPr lang="en-GB" smtClean="0"/>
-              <a:t>16/10/2025</a:t>
+              <a:t>24/10/2025</a:t>
             </a:fld>
             <a:endParaRPr lang="en-GB" dirty="0"/>
           </a:p>
@@ -7784,7 +7776,7 @@
           <a:p>
             <a:fld id="{8AF91EFE-107C-46F7-83A1-FFD667E7E54A}" type="datetime1">
               <a:rPr lang="en-GB" smtClean="0"/>
-              <a:t>16/10/2025</a:t>
+              <a:t>24/10/2025</a:t>
             </a:fld>
             <a:endParaRPr lang="en-GB" dirty="0"/>
           </a:p>
@@ -8065,7 +8057,7 @@
           <a:p>
             <a:fld id="{BD7D8B94-1018-4413-B6E0-124BC3467509}" type="datetime1">
               <a:rPr lang="en-GB" smtClean="0"/>
-              <a:t>16/10/2025</a:t>
+              <a:t>24/10/2025</a:t>
             </a:fld>
             <a:endParaRPr lang="en-GB" dirty="0"/>
           </a:p>
@@ -8345,7 +8337,7 @@
           <a:p>
             <a:fld id="{4575A678-38A5-4559-9323-15C114EB5D99}" type="datetime1">
               <a:rPr lang="en-GB" smtClean="0"/>
-              <a:t>16/10/2025</a:t>
+              <a:t>24/10/2025</a:t>
             </a:fld>
             <a:endParaRPr lang="en-GB" dirty="0"/>
           </a:p>
@@ -8821,7 +8813,7 @@
           <a:p>
             <a:fld id="{3F3326D5-AD77-4375-BBD9-A0CE57142B61}" type="datetime1">
               <a:rPr lang="en-GB" smtClean="0"/>
-              <a:t>16/10/2025</a:t>
+              <a:t>24/10/2025</a:t>
             </a:fld>
             <a:endParaRPr lang="en-GB" dirty="0"/>
           </a:p>
@@ -9101,7 +9093,7 @@
           <a:p>
             <a:fld id="{45105003-67C5-4B3B-968F-E585BF1105C6}" type="datetime1">
               <a:rPr lang="en-GB" smtClean="0"/>
-              <a:t>16/10/2025</a:t>
+              <a:t>24/10/2025</a:t>
             </a:fld>
             <a:endParaRPr lang="en-GB" dirty="0"/>
           </a:p>
@@ -9381,7 +9373,7 @@
           <a:p>
             <a:fld id="{614C8D5B-C751-4C5C-A0E5-6FAA17E6722E}" type="datetime1">
               <a:rPr lang="en-GB" smtClean="0"/>
-              <a:t>16/10/2025</a:t>
+              <a:t>24/10/2025</a:t>
             </a:fld>
             <a:endParaRPr lang="en-GB" dirty="0"/>
           </a:p>
@@ -9645,7 +9637,7 @@
           <a:p>
             <a:fld id="{1111F10B-E8A1-4BA4-8B68-ED4C88BF6EAE}" type="datetime1">
               <a:rPr lang="en-GB" smtClean="0"/>
-              <a:t>16/10/2025</a:t>
+              <a:t>24/10/2025</a:t>
             </a:fld>
             <a:endParaRPr lang="en-GB"/>
           </a:p>
@@ -10033,7 +10025,7 @@
           <a:p>
             <a:fld id="{6A271EC6-A755-481E-A186-58140BAAB9C2}" type="datetime1">
               <a:rPr lang="en-GB" smtClean="0"/>
-              <a:t>16/10/2025</a:t>
+              <a:t>24/10/2025</a:t>
             </a:fld>
             <a:endParaRPr lang="en-GB"/>
           </a:p>
@@ -10415,7 +10407,7 @@
           <a:p>
             <a:fld id="{36DCFCF2-35E8-4AE7-B8A8-E023A22927C2}" type="datetime1">
               <a:rPr lang="en-GB" smtClean="0"/>
-              <a:t>16/10/2025</a:t>
+              <a:t>24/10/2025</a:t>
             </a:fld>
             <a:endParaRPr lang="en-GB"/>
           </a:p>
@@ -10787,7 +10779,7 @@
           <a:p>
             <a:fld id="{5FE005E5-0E97-4E54-A3B7-99BE9AFFA17B}" type="datetime1">
               <a:rPr lang="en-GB" smtClean="0"/>
-              <a:t>16/10/2025</a:t>
+              <a:t>24/10/2025</a:t>
             </a:fld>
             <a:endParaRPr lang="en-GB"/>
           </a:p>
@@ -11194,7 +11186,7 @@
           <a:p>
             <a:fld id="{1C440C89-29E0-41C0-8072-6058FA9645E9}" type="datetime1">
               <a:rPr lang="en-GB" smtClean="0"/>
-              <a:t>16/10/2025</a:t>
+              <a:t>24/10/2025</a:t>
             </a:fld>
             <a:endParaRPr lang="en-GB"/>
           </a:p>
@@ -11603,7 +11595,7 @@
           <a:p>
             <a:fld id="{CCFDC51B-F576-40D6-9826-F50E8975402A}" type="datetime1">
               <a:rPr lang="en-GB" smtClean="0"/>
-              <a:t>16/10/2025</a:t>
+              <a:t>24/10/2025</a:t>
             </a:fld>
             <a:endParaRPr lang="en-GB"/>
           </a:p>
@@ -12002,7 +11994,7 @@
           <a:p>
             <a:fld id="{83DE490A-AB4E-44BC-9A51-846D12BC9A2C}" type="datetime1">
               <a:rPr lang="en-GB" smtClean="0"/>
-              <a:t>16/10/2025</a:t>
+              <a:t>24/10/2025</a:t>
             </a:fld>
             <a:endParaRPr lang="en-GB"/>
           </a:p>
@@ -12800,7 +12792,7 @@
           <a:p>
             <a:fld id="{F49625EA-C875-40EC-812F-5780CCAEF4AA}" type="datetime1">
               <a:rPr lang="en-GB" smtClean="0"/>
-              <a:t>16/10/2025</a:t>
+              <a:t>24/10/2025</a:t>
             </a:fld>
             <a:endParaRPr lang="en-GB"/>
           </a:p>
@@ -13404,7 +13396,7 @@
           <a:p>
             <a:fld id="{3C09C406-B357-4129-A455-8C86CAA0A02D}" type="datetime1">
               <a:rPr lang="en-GB" smtClean="0"/>
-              <a:t>16/10/2025</a:t>
+              <a:t>24/10/2025</a:t>
             </a:fld>
             <a:endParaRPr lang="en-GB"/>
           </a:p>
@@ -13998,7 +13990,7 @@
           <a:p>
             <a:fld id="{59839C6A-7569-4AEB-A397-9051E9045969}" type="datetime1">
               <a:rPr lang="en-GB" smtClean="0"/>
-              <a:t>16/10/2025</a:t>
+              <a:t>24/10/2025</a:t>
             </a:fld>
             <a:endParaRPr lang="en-GB"/>
           </a:p>
@@ -14335,7 +14327,7 @@
           <a:p>
             <a:fld id="{28E7FA29-8268-4491-A8F4-837D35EEA7A8}" type="datetime1">
               <a:rPr lang="en-GB" smtClean="0"/>
-              <a:t>16/10/2025</a:t>
+              <a:t>24/10/2025</a:t>
             </a:fld>
             <a:endParaRPr lang="en-GB"/>
           </a:p>
@@ -14674,7 +14666,7 @@
           <a:p>
             <a:fld id="{90113DAD-9836-412E-8FC7-CD0764669967}" type="datetime1">
               <a:rPr lang="en-GB" smtClean="0"/>
-              <a:t>16/10/2025</a:t>
+              <a:t>24/10/2025</a:t>
             </a:fld>
             <a:endParaRPr lang="en-GB"/>
           </a:p>
@@ -15003,7 +14995,7 @@
           <a:p>
             <a:fld id="{7153B6F1-AEE6-442A-B141-1E86D43F003A}" type="datetime1">
               <a:rPr lang="en-GB" smtClean="0"/>
-              <a:t>16/10/2025</a:t>
+              <a:t>24/10/2025</a:t>
             </a:fld>
             <a:endParaRPr lang="en-GB"/>
           </a:p>
@@ -15340,7 +15332,7 @@
           <a:p>
             <a:fld id="{E90F1D13-E7E9-4BF7-92BE-67A592DDA1E6}" type="datetime1">
               <a:rPr lang="en-GB" smtClean="0"/>
-              <a:t>16/10/2025</a:t>
+              <a:t>24/10/2025</a:t>
             </a:fld>
             <a:endParaRPr lang="en-GB"/>
           </a:p>
@@ -15679,7 +15671,7 @@
           <a:p>
             <a:fld id="{F20F7650-52C1-45D7-9783-1B632DECD8C7}" type="datetime1">
               <a:rPr lang="en-GB" smtClean="0"/>
-              <a:t>16/10/2025</a:t>
+              <a:t>24/10/2025</a:t>
             </a:fld>
             <a:endParaRPr lang="en-GB"/>
           </a:p>
@@ -16008,7 +16000,7 @@
           <a:p>
             <a:fld id="{706E6634-9697-470B-A866-7A3A7553D5F1}" type="datetime1">
               <a:rPr lang="en-GB" smtClean="0"/>
-              <a:t>16/10/2025</a:t>
+              <a:t>24/10/2025</a:t>
             </a:fld>
             <a:endParaRPr lang="en-GB"/>
           </a:p>
@@ -16246,7 +16238,7 @@
           <a:p>
             <a:fld id="{C1FC16FB-0B57-4AD4-9A6E-9C9E2AB17266}" type="datetime1">
               <a:rPr lang="en-GB" smtClean="0"/>
-              <a:t>16/10/2025</a:t>
+              <a:t>24/10/2025</a:t>
             </a:fld>
             <a:endParaRPr lang="en-GB"/>
           </a:p>
@@ -16682,7 +16674,7 @@
           <a:p>
             <a:fld id="{8E6710B1-4110-4C9F-8D4B-EE28136D117F}" type="datetime1">
               <a:rPr lang="en-GB" smtClean="0"/>
-              <a:t>16/10/2025</a:t>
+              <a:t>24/10/2025</a:t>
             </a:fld>
             <a:endParaRPr lang="en-GB"/>
           </a:p>
@@ -17220,7 +17212,7 @@
           <a:p>
             <a:fld id="{3B31D3C1-F82F-4CB8-A70E-D239E02CC7BD}" type="datetime1">
               <a:rPr lang="en-GB" smtClean="0"/>
-              <a:t>16/10/2025</a:t>
+              <a:t>24/10/2025</a:t>
             </a:fld>
             <a:endParaRPr lang="en-GB"/>
           </a:p>
@@ -17499,7 +17491,7 @@
           <a:p>
             <a:fld id="{13582DD9-85A1-4017-BC8B-D6D9E91FD40F}" type="datetime1">
               <a:rPr lang="en-GB" smtClean="0"/>
-              <a:t>16/10/2025</a:t>
+              <a:t>24/10/2025</a:t>
             </a:fld>
             <a:endParaRPr lang="en-GB"/>
           </a:p>
@@ -17784,7 +17776,7 @@
           <a:p>
             <a:fld id="{C5A3CB9B-296D-4776-8BD2-9B69131702C8}" type="datetime1">
               <a:rPr lang="en-GB" smtClean="0"/>
-              <a:t>16/10/2025</a:t>
+              <a:t>24/10/2025</a:t>
             </a:fld>
             <a:endParaRPr lang="en-GB"/>
           </a:p>
@@ -18077,7 +18069,7 @@
           <a:p>
             <a:fld id="{0870C1F9-82A7-4694-BC95-9765B9ADFAA5}" type="datetime1">
               <a:rPr lang="en-GB" smtClean="0"/>
-              <a:t>16/10/2025</a:t>
+              <a:t>24/10/2025</a:t>
             </a:fld>
             <a:endParaRPr lang="en-GB"/>
           </a:p>
@@ -18494,7 +18486,7 @@
           <a:p>
             <a:fld id="{56035B73-EA03-4DE1-829C-24B16FADC510}" type="datetime1">
               <a:rPr lang="en-GB" smtClean="0"/>
-              <a:t>16/10/2025</a:t>
+              <a:t>24/10/2025</a:t>
             </a:fld>
             <a:endParaRPr lang="en-GB" dirty="0"/>
           </a:p>
@@ -19285,7 +19277,7 @@
           <a:p>
             <a:fld id="{2B536CB7-DFEA-4F98-ABD3-A1969468ED80}" type="datetime1">
               <a:rPr lang="en-GB" smtClean="0"/>
-              <a:t>16/10/2025</a:t>
+              <a:t>24/10/2025</a:t>
             </a:fld>
             <a:endParaRPr lang="en-GB"/>
           </a:p>
@@ -19634,7 +19626,7 @@
           <a:p>
             <a:fld id="{FEBF4202-0BFC-4E93-9747-302E53398C05}" type="datetime1">
               <a:rPr lang="en-GB" smtClean="0"/>
-              <a:t>16/10/2025</a:t>
+              <a:t>24/10/2025</a:t>
             </a:fld>
             <a:endParaRPr lang="en-GB"/>
           </a:p>
@@ -19970,7 +19962,7 @@
           <a:p>
             <a:fld id="{C284F42F-B3C5-4742-A627-7F087B8E4AF0}" type="datetime1">
               <a:rPr lang="en-GB" smtClean="0"/>
-              <a:t>16/10/2025</a:t>
+              <a:t>24/10/2025</a:t>
             </a:fld>
             <a:endParaRPr lang="en-GB"/>
           </a:p>
@@ -20136,7 +20128,7 @@
           <a:p>
             <a:fld id="{D039B8C1-37D9-4E65-816B-25E546F8DA5B}" type="datetime1">
               <a:rPr lang="en-GB" smtClean="0"/>
-              <a:t>16/10/2025</a:t>
+              <a:t>24/10/2025</a:t>
             </a:fld>
             <a:endParaRPr lang="en-GB"/>
           </a:p>
@@ -20304,23 +20296,25 @@
             </a:pPr>
             <a:r>
               <a:rPr lang="en-GB" sz="2800" dirty="0"/>
-              <a:t>The link is </a:t>
-            </a:r>
-            <a:r>
-              <a:rPr lang="en-GB" sz="2800" b="0" i="0" u="sng" dirty="0">
+              <a:t>The link </a:t>
+            </a:r>
+            <a:r>
+              <a:rPr lang="en-GB" sz="2800"/>
+              <a:t>is </a:t>
+            </a:r>
+            <a:r>
+              <a:rPr lang="en-GB" sz="2800" u="sng">
                 <a:solidFill>
                   <a:srgbClr val="0563C1"/>
                 </a:solidFill>
-                <a:effectLst/>
                 <a:hlinkClick r:id="rId3"/>
               </a:rPr>
-              <a:t>https://tinyurl.com/feedback-rcds</a:t>
-            </a:r>
-            <a:endParaRPr lang="en-GB" sz="2800" b="0" i="0" u="sng" dirty="0">
+              <a:t>https://ecri.short.gy/feedback-rcds</a:t>
+            </a:r>
+            <a:endParaRPr lang="en-GB" sz="2800" u="sng">
               <a:solidFill>
                 <a:srgbClr val="0563C1"/>
               </a:solidFill>
-              <a:effectLst/>
             </a:endParaRPr>
           </a:p>
           <a:p>
@@ -20329,8 +20323,12 @@
               <a:buChar char="•"/>
             </a:pPr>
             <a:r>
+              <a:rPr lang="en-GB" sz="2800"/>
+              <a:t>You </a:t>
+            </a:r>
+            <a:r>
               <a:rPr lang="en-GB" sz="2800" dirty="0"/>
-              <a:t>You should also have received an email with this link</a:t>
+              <a:t>should also have received an email with this link</a:t>
             </a:r>
           </a:p>
           <a:p>

--- a/Introduction to Parallel Programming in Python Slides.pptx
+++ b/Introduction to Parallel Programming in Python Slides.pptx
@@ -5,7 +5,7 @@
     <p:sldMasterId id="2147483648" r:id="rId1"/>
   </p:sldMasterIdLst>
   <p:notesMasterIdLst>
-    <p:notesMasterId r:id="rId9"/>
+    <p:notesMasterId r:id="rId8"/>
   </p:notesMasterIdLst>
   <p:sldIdLst>
     <p:sldId id="322" r:id="rId2"/>
@@ -13,8 +13,7 @@
     <p:sldId id="361" r:id="rId4"/>
     <p:sldId id="408" r:id="rId5"/>
     <p:sldId id="359" r:id="rId6"/>
-    <p:sldId id="406" r:id="rId7"/>
-    <p:sldId id="279" r:id="rId8"/>
+    <p:sldId id="279" r:id="rId7"/>
   </p:sldIdLst>
   <p:sldSz cx="12192000" cy="6858000"/>
   <p:notesSz cx="6858000" cy="9144000"/>
@@ -147,8 +146,8 @@
 <pc:chgInfo xmlns:a="http://schemas.openxmlformats.org/drawingml/2006/main" xmlns:r="http://schemas.openxmlformats.org/officeDocument/2006/relationships" xmlns:ac="http://schemas.microsoft.com/office/drawing/2013/main/command" xmlns:pc="http://schemas.microsoft.com/office/powerpoint/2013/main/command">
   <pc:docChgLst>
     <pc:chgData name="Cooling, Chris" userId="6dcf99c9-2ba5-410a-8445-0893a3d1421f" providerId="ADAL" clId="{4C71BD8E-FF85-4E42-8BDD-B7324F9FBDEB}"/>
-    <pc:docChg chg="custSel modSld">
-      <pc:chgData name="Cooling, Chris" userId="6dcf99c9-2ba5-410a-8445-0893a3d1421f" providerId="ADAL" clId="{4C71BD8E-FF85-4E42-8BDD-B7324F9FBDEB}" dt="2025-10-24T08:53:10.398" v="8" actId="20577"/>
+    <pc:docChg chg="custSel delSld modSld">
+      <pc:chgData name="Cooling, Chris" userId="6dcf99c9-2ba5-410a-8445-0893a3d1421f" providerId="ADAL" clId="{4C71BD8E-FF85-4E42-8BDD-B7324F9FBDEB}" dt="2025-10-24T10:08:08.255" v="9" actId="47"/>
       <pc:docMkLst>
         <pc:docMk/>
       </pc:docMkLst>
@@ -174,6 +173,13 @@
             <ac:picMk id="10" creationId="{38CFBB8A-B1A0-6810-A40F-0B48B0662588}"/>
           </ac:picMkLst>
         </pc:picChg>
+      </pc:sldChg>
+      <pc:sldChg chg="del">
+        <pc:chgData name="Cooling, Chris" userId="6dcf99c9-2ba5-410a-8445-0893a3d1421f" providerId="ADAL" clId="{4C71BD8E-FF85-4E42-8BDD-B7324F9FBDEB}" dt="2025-10-24T10:08:08.255" v="9" actId="47"/>
+        <pc:sldMkLst>
+          <pc:docMk/>
+          <pc:sldMk cId="3543295302" sldId="406"/>
+        </pc:sldMkLst>
       </pc:sldChg>
     </pc:docChg>
   </pc:docChgLst>
@@ -759,97 +765,6 @@
     <p:extLst>
       <p:ext uri="{BB962C8B-B14F-4D97-AF65-F5344CB8AC3E}">
         <p14:creationId xmlns:p14="http://schemas.microsoft.com/office/powerpoint/2010/main" val="328910392"/>
-      </p:ext>
-    </p:extLst>
-  </p:cSld>
-  <p:clrMapOvr>
-    <a:masterClrMapping/>
-  </p:clrMapOvr>
-</p:notes>
-</file>
-
-<file path=ppt/notesSlides/notesSlide3.xml><?xml version="1.0" encoding="utf-8"?>
-<p:notes xmlns:a="http://schemas.openxmlformats.org/drawingml/2006/main" xmlns:r="http://schemas.openxmlformats.org/officeDocument/2006/relationships" xmlns:p="http://schemas.openxmlformats.org/presentationml/2006/main">
-  <p:cSld>
-    <p:spTree>
-      <p:nvGrpSpPr>
-        <p:cNvPr id="1" name=""/>
-        <p:cNvGrpSpPr/>
-        <p:nvPr/>
-      </p:nvGrpSpPr>
-      <p:grpSpPr>
-        <a:xfrm>
-          <a:off x="0" y="0"/>
-          <a:ext cx="0" cy="0"/>
-          <a:chOff x="0" y="0"/>
-          <a:chExt cx="0" cy="0"/>
-        </a:xfrm>
-      </p:grpSpPr>
-      <p:sp>
-        <p:nvSpPr>
-          <p:cNvPr id="2" name="Slide Image Placeholder 1"/>
-          <p:cNvSpPr>
-            <a:spLocks noGrp="1" noRot="1" noChangeAspect="1"/>
-          </p:cNvSpPr>
-          <p:nvPr>
-            <p:ph type="sldImg"/>
-          </p:nvPr>
-        </p:nvSpPr>
-        <p:spPr/>
-      </p:sp>
-      <p:sp>
-        <p:nvSpPr>
-          <p:cNvPr id="3" name="Notes Placeholder 2"/>
-          <p:cNvSpPr>
-            <a:spLocks noGrp="1"/>
-          </p:cNvSpPr>
-          <p:nvPr>
-            <p:ph type="body" idx="1"/>
-          </p:nvPr>
-        </p:nvSpPr>
-        <p:spPr/>
-        <p:txBody>
-          <a:bodyPr/>
-          <a:lstStyle/>
-          <a:p>
-            <a:r>
-              <a:rPr lang="en-GB" dirty="0"/>
-              <a:t>Remove after </a:t>
-            </a:r>
-            <a:r>
-              <a:rPr lang="en-GB"/>
-              <a:t>PRES closes</a:t>
-            </a:r>
-          </a:p>
-        </p:txBody>
-      </p:sp>
-      <p:sp>
-        <p:nvSpPr>
-          <p:cNvPr id="4" name="Slide Number Placeholder 3"/>
-          <p:cNvSpPr>
-            <a:spLocks noGrp="1"/>
-          </p:cNvSpPr>
-          <p:nvPr>
-            <p:ph type="sldNum" sz="quarter" idx="5"/>
-          </p:nvPr>
-        </p:nvSpPr>
-        <p:spPr/>
-        <p:txBody>
-          <a:bodyPr/>
-          <a:lstStyle/>
-          <a:p>
-            <a:fld id="{877663E2-27CE-4C79-91D3-7F5C4262D57F}" type="slidenum">
-              <a:rPr lang="en-US" smtClean="0"/>
-              <a:t>6</a:t>
-            </a:fld>
-            <a:endParaRPr lang="en-US"/>
-          </a:p>
-        </p:txBody>
-      </p:sp>
-    </p:spTree>
-    <p:extLst>
-      <p:ext uri="{BB962C8B-B14F-4D97-AF65-F5344CB8AC3E}">
-        <p14:creationId xmlns:p14="http://schemas.microsoft.com/office/powerpoint/2010/main" val="2593689646"/>
       </p:ext>
     </p:extLst>
   </p:cSld>
@@ -20399,282 +20314,6 @@
 </file>
 
 <file path=ppt/slides/slide6.xml><?xml version="1.0" encoding="utf-8"?>
-<p:sld xmlns:a="http://schemas.openxmlformats.org/drawingml/2006/main" xmlns:r="http://schemas.openxmlformats.org/officeDocument/2006/relationships" xmlns:p="http://schemas.openxmlformats.org/presentationml/2006/main">
-  <p:cSld>
-    <p:spTree>
-      <p:nvGrpSpPr>
-        <p:cNvPr id="1" name=""/>
-        <p:cNvGrpSpPr/>
-        <p:nvPr/>
-      </p:nvGrpSpPr>
-      <p:grpSpPr>
-        <a:xfrm>
-          <a:off x="0" y="0"/>
-          <a:ext cx="0" cy="0"/>
-          <a:chOff x="0" y="0"/>
-          <a:chExt cx="0" cy="0"/>
-        </a:xfrm>
-      </p:grpSpPr>
-      <p:sp>
-        <p:nvSpPr>
-          <p:cNvPr id="2" name="Title 1">
-            <a:extLst>
-              <a:ext uri="{FF2B5EF4-FFF2-40B4-BE49-F238E27FC236}">
-                <a16:creationId xmlns:a16="http://schemas.microsoft.com/office/drawing/2014/main" id="{E1AC92A0-DAFD-2CE4-F5BD-315A0135CDD6}"/>
-              </a:ext>
-            </a:extLst>
-          </p:cNvPr>
-          <p:cNvSpPr>
-            <a:spLocks noGrp="1"/>
-          </p:cNvSpPr>
-          <p:nvPr>
-            <p:ph type="ctrTitle"/>
-          </p:nvPr>
-        </p:nvSpPr>
-        <p:spPr>
-          <a:xfrm>
-            <a:off x="330200" y="1864819"/>
-            <a:ext cx="4742772" cy="1828800"/>
-          </a:xfrm>
-        </p:spPr>
-        <p:txBody>
-          <a:bodyPr/>
-          <a:lstStyle/>
-          <a:p>
-            <a:r>
-              <a:rPr lang="en-US" dirty="0">
-                <a:solidFill>
-                  <a:srgbClr val="98FB98"/>
-                </a:solidFill>
-              </a:rPr>
-              <a:t>PRES 2025</a:t>
-            </a:r>
-          </a:p>
-        </p:txBody>
-      </p:sp>
-      <p:sp>
-        <p:nvSpPr>
-          <p:cNvPr id="3" name="Text Placeholder 2">
-            <a:extLst>
-              <a:ext uri="{FF2B5EF4-FFF2-40B4-BE49-F238E27FC236}">
-                <a16:creationId xmlns:a16="http://schemas.microsoft.com/office/drawing/2014/main" id="{0B6972F5-B010-8428-D0AA-F619C83E71DE}"/>
-              </a:ext>
-            </a:extLst>
-          </p:cNvPr>
-          <p:cNvSpPr>
-            <a:spLocks noGrp="1"/>
-          </p:cNvSpPr>
-          <p:nvPr>
-            <p:ph type="body" sz="quarter" idx="4294967295"/>
-          </p:nvPr>
-        </p:nvSpPr>
-        <p:spPr>
-          <a:xfrm>
-            <a:off x="330200" y="5878513"/>
-            <a:ext cx="5606257" cy="652463"/>
-          </a:xfrm>
-        </p:spPr>
-        <p:txBody>
-          <a:bodyPr/>
-          <a:lstStyle/>
-          <a:p>
-            <a:r>
-              <a:rPr lang="en-US" dirty="0"/>
-              <a:t>Presentation Title</a:t>
-            </a:r>
-          </a:p>
-          <a:p>
-            <a:r>
-              <a:rPr lang="en-US" dirty="0"/>
-              <a:t>DD/MM/YYYY</a:t>
-            </a:r>
-          </a:p>
-        </p:txBody>
-      </p:sp>
-      <p:pic>
-        <p:nvPicPr>
-          <p:cNvPr id="4" name="Picture 3">
-            <a:extLst>
-              <a:ext uri="{FF2B5EF4-FFF2-40B4-BE49-F238E27FC236}">
-                <a16:creationId xmlns:a16="http://schemas.microsoft.com/office/drawing/2014/main" id="{A18BDFF0-9D53-5DAB-3700-2938EAF96CEE}"/>
-              </a:ext>
-            </a:extLst>
-          </p:cNvPr>
-          <p:cNvPicPr>
-            <a:picLocks noChangeAspect="1"/>
-          </p:cNvPicPr>
-          <p:nvPr/>
-        </p:nvPicPr>
-        <p:blipFill>
-          <a:blip r:embed="rId3" cstate="print">
-            <a:extLst>
-              <a:ext uri="{28A0092B-C50C-407E-A947-70E740481C1C}">
-                <a14:useLocalDpi xmlns:a14="http://schemas.microsoft.com/office/drawing/2010/main" val="0"/>
-              </a:ext>
-            </a:extLst>
-          </a:blip>
-          <a:stretch>
-            <a:fillRect/>
-          </a:stretch>
-        </p:blipFill>
-        <p:spPr>
-          <a:xfrm>
-            <a:off x="9169653" y="417970"/>
-            <a:ext cx="2448272" cy="1446849"/>
-          </a:xfrm>
-          <a:prstGeom prst="rect">
-            <a:avLst/>
-          </a:prstGeom>
-          <a:solidFill>
-            <a:srgbClr val="98FB98"/>
-          </a:solidFill>
-          <a:effectLst>
-            <a:outerShdw blurRad="50800" dist="50800" dir="5400000" algn="ctr" rotWithShape="0">
-              <a:srgbClr val="98FB98"/>
-            </a:outerShdw>
-          </a:effectLst>
-        </p:spPr>
-      </p:pic>
-      <p:sp>
-        <p:nvSpPr>
-          <p:cNvPr id="6" name="Title 1">
-            <a:extLst>
-              <a:ext uri="{FF2B5EF4-FFF2-40B4-BE49-F238E27FC236}">
-                <a16:creationId xmlns:a16="http://schemas.microsoft.com/office/drawing/2014/main" id="{0742163F-282C-50FB-3BC2-3BC83316980D}"/>
-              </a:ext>
-            </a:extLst>
-          </p:cNvPr>
-          <p:cNvSpPr txBox="1">
-            <a:spLocks/>
-          </p:cNvSpPr>
-          <p:nvPr/>
-        </p:nvSpPr>
-        <p:spPr>
-          <a:xfrm>
-            <a:off x="399472" y="4079052"/>
-            <a:ext cx="11376891" cy="1828800"/>
-          </a:xfrm>
-          <a:prstGeom prst="rect">
-            <a:avLst/>
-          </a:prstGeom>
-        </p:spPr>
-        <p:txBody>
-          <a:bodyPr vert="horz" lIns="0" tIns="0" rIns="0" bIns="0" rtlCol="0" anchor="t">
-            <a:noAutofit/>
-          </a:bodyPr>
-          <a:lstStyle>
-            <a:lvl1pPr algn="l" defTabSz="685765" rtl="0" eaLnBrk="1" latinLnBrk="0" hangingPunct="1">
-              <a:lnSpc>
-                <a:spcPct val="90000"/>
-              </a:lnSpc>
-              <a:spcBef>
-                <a:spcPct val="0"/>
-              </a:spcBef>
-              <a:buNone/>
-              <a:defRPr sz="6400" b="1" kern="1200">
-                <a:solidFill>
-                  <a:srgbClr val="98FB98"/>
-                </a:solidFill>
-                <a:latin typeface="+mj-lt"/>
-                <a:ea typeface="+mj-ea"/>
-                <a:cs typeface="+mj-cs"/>
-              </a:defRPr>
-            </a:lvl1pPr>
-          </a:lstStyle>
-          <a:p>
-            <a:pPr marL="342900" indent="-342900">
-              <a:lnSpc>
-                <a:spcPct val="100000"/>
-              </a:lnSpc>
-              <a:buFont typeface="Arial" panose="020B0604020202020204" pitchFamily="34" charset="0"/>
-              <a:buChar char="•"/>
-            </a:pPr>
-            <a:r>
-              <a:rPr lang="en-US" sz="2000" dirty="0"/>
-              <a:t>Coming in 2025 - PRES is a national survey for research degree students</a:t>
-            </a:r>
-          </a:p>
-          <a:p>
-            <a:pPr marL="342900" indent="-342900">
-              <a:lnSpc>
-                <a:spcPct val="100000"/>
-              </a:lnSpc>
-              <a:buFont typeface="Arial" panose="020B0604020202020204" pitchFamily="34" charset="0"/>
-              <a:buChar char="•"/>
-            </a:pPr>
-            <a:endParaRPr lang="en-US" sz="2000" dirty="0"/>
-          </a:p>
-          <a:p>
-            <a:pPr marL="342900" indent="-342900">
-              <a:lnSpc>
-                <a:spcPct val="100000"/>
-              </a:lnSpc>
-              <a:buFont typeface="Arial" panose="020B0604020202020204" pitchFamily="34" charset="0"/>
-              <a:buChar char="•"/>
-            </a:pPr>
-            <a:r>
-              <a:rPr lang="en-US" sz="2000" dirty="0"/>
-              <a:t>Find out more about the action we have taken in response to the previous PRES: </a:t>
-            </a:r>
-          </a:p>
-          <a:p>
-            <a:pPr marL="342900" indent="-342900">
-              <a:lnSpc>
-                <a:spcPct val="100000"/>
-              </a:lnSpc>
-              <a:buFont typeface="Arial" panose="020B0604020202020204" pitchFamily="34" charset="0"/>
-              <a:buChar char="•"/>
-            </a:pPr>
-            <a:endParaRPr lang="en-US" sz="2000" dirty="0"/>
-          </a:p>
-          <a:p>
-            <a:pPr marL="342900" indent="-342900">
-              <a:lnSpc>
-                <a:spcPct val="100000"/>
-              </a:lnSpc>
-              <a:buFont typeface="Arial" panose="020B0604020202020204" pitchFamily="34" charset="0"/>
-              <a:buChar char="•"/>
-            </a:pPr>
-            <a:r>
-              <a:rPr lang="en-US" sz="2000" dirty="0">
-                <a:solidFill>
-                  <a:srgbClr val="EE82EE"/>
-                </a:solidFill>
-                <a:hlinkClick r:id="rId4">
-                  <a:extLst>
-                    <a:ext uri="{A12FA001-AC4F-418D-AE19-62706E023703}">
-                      <ahyp:hlinkClr xmlns:ahyp="http://schemas.microsoft.com/office/drawing/2018/hyperlinkcolor" val="tx"/>
-                    </a:ext>
-                  </a:extLst>
-                </a:hlinkClick>
-              </a:rPr>
-              <a:t>Postgraduate Research Experience Survey (PRES) | Current students | Imperial College London</a:t>
-            </a:r>
-            <a:endParaRPr lang="en-US" sz="2000" dirty="0">
-              <a:solidFill>
-                <a:srgbClr val="EE82EE"/>
-              </a:solidFill>
-            </a:endParaRPr>
-          </a:p>
-        </p:txBody>
-      </p:sp>
-    </p:spTree>
-    <p:extLst>
-      <p:ext uri="{BB962C8B-B14F-4D97-AF65-F5344CB8AC3E}">
-        <p14:creationId xmlns:p14="http://schemas.microsoft.com/office/powerpoint/2010/main" val="3543295302"/>
-      </p:ext>
-    </p:extLst>
-  </p:cSld>
-  <p:clrMapOvr>
-    <a:masterClrMapping/>
-  </p:clrMapOvr>
-  <p:transition>
-    <p:fade/>
-  </p:transition>
-</p:sld>
-</file>
-
-<file path=ppt/slides/slide7.xml><?xml version="1.0" encoding="utf-8"?>
 <p:sld xmlns:a="http://schemas.openxmlformats.org/drawingml/2006/main" xmlns:r="http://schemas.openxmlformats.org/officeDocument/2006/relationships" xmlns:p="http://schemas.openxmlformats.org/presentationml/2006/main">
   <p:cSld>
     <p:spTree>
